--- a/presentation.pptx
+++ b/presentation.pptx
@@ -292,7 +292,7 @@
           <a:p>
             <a:fld id="{B1768197-B06B-45F4-94B1-FE3DC454BBB4}" type="datetimeFigureOut">
               <a:rPr lang="ru-RU" smtClean="0"/>
-              <a:t>11.12.2018</a:t>
+              <a:t>13.12.2018</a:t>
             </a:fld>
             <a:endParaRPr lang="ru-RU"/>
           </a:p>
@@ -462,7 +462,7 @@
           <a:p>
             <a:fld id="{B1768197-B06B-45F4-94B1-FE3DC454BBB4}" type="datetimeFigureOut">
               <a:rPr lang="ru-RU" smtClean="0"/>
-              <a:t>11.12.2018</a:t>
+              <a:t>13.12.2018</a:t>
             </a:fld>
             <a:endParaRPr lang="ru-RU"/>
           </a:p>
@@ -642,7 +642,7 @@
           <a:p>
             <a:fld id="{B1768197-B06B-45F4-94B1-FE3DC454BBB4}" type="datetimeFigureOut">
               <a:rPr lang="ru-RU" smtClean="0"/>
-              <a:t>11.12.2018</a:t>
+              <a:t>13.12.2018</a:t>
             </a:fld>
             <a:endParaRPr lang="ru-RU"/>
           </a:p>
@@ -812,7 +812,7 @@
           <a:p>
             <a:fld id="{B1768197-B06B-45F4-94B1-FE3DC454BBB4}" type="datetimeFigureOut">
               <a:rPr lang="ru-RU" smtClean="0"/>
-              <a:t>11.12.2018</a:t>
+              <a:t>13.12.2018</a:t>
             </a:fld>
             <a:endParaRPr lang="ru-RU"/>
           </a:p>
@@ -1058,7 +1058,7 @@
           <a:p>
             <a:fld id="{B1768197-B06B-45F4-94B1-FE3DC454BBB4}" type="datetimeFigureOut">
               <a:rPr lang="ru-RU" smtClean="0"/>
-              <a:t>11.12.2018</a:t>
+              <a:t>13.12.2018</a:t>
             </a:fld>
             <a:endParaRPr lang="ru-RU"/>
           </a:p>
@@ -1346,7 +1346,7 @@
           <a:p>
             <a:fld id="{B1768197-B06B-45F4-94B1-FE3DC454BBB4}" type="datetimeFigureOut">
               <a:rPr lang="ru-RU" smtClean="0"/>
-              <a:t>11.12.2018</a:t>
+              <a:t>13.12.2018</a:t>
             </a:fld>
             <a:endParaRPr lang="ru-RU"/>
           </a:p>
@@ -1768,7 +1768,7 @@
           <a:p>
             <a:fld id="{B1768197-B06B-45F4-94B1-FE3DC454BBB4}" type="datetimeFigureOut">
               <a:rPr lang="ru-RU" smtClean="0"/>
-              <a:t>11.12.2018</a:t>
+              <a:t>13.12.2018</a:t>
             </a:fld>
             <a:endParaRPr lang="ru-RU"/>
           </a:p>
@@ -1886,7 +1886,7 @@
           <a:p>
             <a:fld id="{B1768197-B06B-45F4-94B1-FE3DC454BBB4}" type="datetimeFigureOut">
               <a:rPr lang="ru-RU" smtClean="0"/>
-              <a:t>11.12.2018</a:t>
+              <a:t>13.12.2018</a:t>
             </a:fld>
             <a:endParaRPr lang="ru-RU"/>
           </a:p>
@@ -1981,7 +1981,7 @@
           <a:p>
             <a:fld id="{B1768197-B06B-45F4-94B1-FE3DC454BBB4}" type="datetimeFigureOut">
               <a:rPr lang="ru-RU" smtClean="0"/>
-              <a:t>11.12.2018</a:t>
+              <a:t>13.12.2018</a:t>
             </a:fld>
             <a:endParaRPr lang="ru-RU"/>
           </a:p>
@@ -2258,7 +2258,7 @@
           <a:p>
             <a:fld id="{B1768197-B06B-45F4-94B1-FE3DC454BBB4}" type="datetimeFigureOut">
               <a:rPr lang="ru-RU" smtClean="0"/>
-              <a:t>11.12.2018</a:t>
+              <a:t>13.12.2018</a:t>
             </a:fld>
             <a:endParaRPr lang="ru-RU"/>
           </a:p>
@@ -2511,7 +2511,7 @@
           <a:p>
             <a:fld id="{B1768197-B06B-45F4-94B1-FE3DC454BBB4}" type="datetimeFigureOut">
               <a:rPr lang="ru-RU" smtClean="0"/>
-              <a:t>11.12.2018</a:t>
+              <a:t>13.12.2018</a:t>
             </a:fld>
             <a:endParaRPr lang="ru-RU"/>
           </a:p>
@@ -2724,7 +2724,7 @@
           <a:p>
             <a:fld id="{B1768197-B06B-45F4-94B1-FE3DC454BBB4}" type="datetimeFigureOut">
               <a:rPr lang="ru-RU" smtClean="0"/>
-              <a:t>11.12.2018</a:t>
+              <a:t>13.12.2018</a:t>
             </a:fld>
             <a:endParaRPr lang="ru-RU"/>
           </a:p>
@@ -3407,13 +3407,13 @@
   <p:clrMapOvr>
     <a:masterClrMapping/>
   </p:clrMapOvr>
-  <mc:AlternateContent xmlns:mc="http://schemas.openxmlformats.org/markup-compatibility/2006">
-    <mc:Choice xmlns:p14="http://schemas.microsoft.com/office/powerpoint/2010/main" Requires="p14">
+  <mc:AlternateContent xmlns:mc="http://schemas.openxmlformats.org/markup-compatibility/2006" xmlns:p14="http://schemas.microsoft.com/office/powerpoint/2010/main">
+    <mc:Choice Requires="p14">
       <p:transition spd="med" p14:dur="700">
         <p:fade/>
       </p:transition>
     </mc:Choice>
-    <mc:Fallback>
+    <mc:Fallback xmlns="">
       <p:transition spd="med">
         <p:fade/>
       </p:transition>
@@ -4612,7 +4612,7 @@
         <p:spPr>
           <a:xfrm>
             <a:off x="450288" y="1556792"/>
-            <a:ext cx="8436929" cy="4678204"/>
+            <a:ext cx="8436929" cy="5170646"/>
           </a:xfrm>
           <a:prstGeom prst="rect">
             <a:avLst/>
@@ -5208,8 +5208,70 @@
                 </a:effectLst>
                 <a:latin typeface="Pixeled" pitchFamily="2" charset="-52"/>
               </a:rPr>
-              <a:t>sys</a:t>
-            </a:r>
+              <a:t>Sys</a:t>
+            </a:r>
+          </a:p>
+          <a:p>
+            <a:endParaRPr lang="en-US" dirty="0" smtClean="0">
+              <a:solidFill>
+                <a:schemeClr val="bg1"/>
+              </a:solidFill>
+              <a:effectLst>
+                <a:outerShdw blurRad="38100" dist="38100" dir="2700000" algn="tl">
+                  <a:srgbClr val="000000">
+                    <a:alpha val="43137"/>
+                  </a:srgbClr>
+                </a:outerShdw>
+              </a:effectLst>
+              <a:latin typeface="Pixeled" pitchFamily="2" charset="-52"/>
+            </a:endParaRPr>
+          </a:p>
+          <a:p>
+            <a:r>
+              <a:rPr lang="en-US" dirty="0" smtClean="0">
+                <a:solidFill>
+                  <a:schemeClr val="bg1"/>
+                </a:solidFill>
+                <a:effectLst>
+                  <a:outerShdw blurRad="38100" dist="38100" dir="2700000" algn="tl">
+                    <a:srgbClr val="000000">
+                      <a:alpha val="43137"/>
+                    </a:srgbClr>
+                  </a:outerShdw>
+                </a:effectLst>
+                <a:latin typeface="Pixeled" pitchFamily="2" charset="-52"/>
+              </a:rPr>
+              <a:t>- </a:t>
+            </a:r>
+            <a:r>
+              <a:rPr lang="en-US" dirty="0" err="1" smtClean="0">
+                <a:solidFill>
+                  <a:schemeClr val="bg1"/>
+                </a:solidFill>
+                <a:effectLst>
+                  <a:outerShdw blurRad="38100" dist="38100" dir="2700000" algn="tl">
+                    <a:srgbClr val="000000">
+                      <a:alpha val="43137"/>
+                    </a:srgbClr>
+                  </a:outerShdw>
+                </a:effectLst>
+                <a:latin typeface="Pixeled" pitchFamily="2" charset="-52"/>
+              </a:rPr>
+              <a:t>pygame</a:t>
+            </a:r>
+            <a:endParaRPr lang="en-US" dirty="0" smtClean="0">
+              <a:solidFill>
+                <a:schemeClr val="bg1"/>
+              </a:solidFill>
+              <a:effectLst>
+                <a:outerShdw blurRad="38100" dist="38100" dir="2700000" algn="tl">
+                  <a:srgbClr val="000000">
+                    <a:alpha val="43137"/>
+                  </a:srgbClr>
+                </a:outerShdw>
+              </a:effectLst>
+              <a:latin typeface="Pixeled" pitchFamily="2" charset="-52"/>
+            </a:endParaRPr>
           </a:p>
         </p:txBody>
       </p:sp>
